--- a/app/static/presentations/custom_styles/Minimalist.pptx
+++ b/app/static/presentations/custom_styles/Minimalist.pptx
@@ -1691,7 +1691,7 @@
 </file>
 
 <file path=ppt/slideLayouts/slideLayout3.xml><?xml version="1.0" encoding="utf-8"?>
-<p:sldLayout xmlns:a="http://schemas.openxmlformats.org/drawingml/2006/main" xmlns:r="http://schemas.openxmlformats.org/officeDocument/2006/relationships" xmlns:p="http://schemas.openxmlformats.org/presentationml/2006/main" matchingName="Title and body" type="tx">
+<p:sldLayout xmlns:a="http://schemas.openxmlformats.org/drawingml/2006/main" xmlns:r="http://schemas.openxmlformats.org/officeDocument/2006/relationships" xmlns:p="http://schemas.openxmlformats.org/presentationml/2006/main" matchingName="Title and body" userDrawn="1">
   <p:cSld name="TITLE_AND_BODY">
     <p:bg>
       <p:bgPr>
@@ -2095,6 +2095,36 @@
               <a:t>‹#›</a:t>
             </a:fld>
             <a:endParaRPr/>
+          </a:p>
+        </p:txBody>
+      </p:sp>
+      <p:sp>
+        <p:nvSpPr>
+          <p:cNvPr id="3" name="Picture Placeholder 2">
+            <a:extLst>
+              <a:ext uri="{FF2B5EF4-FFF2-40B4-BE49-F238E27FC236}">
+                <a16:creationId xmlns:a16="http://schemas.microsoft.com/office/drawing/2014/main" id="{5137B2E0-7348-2023-0388-5DAFD28E0209}"/>
+              </a:ext>
+            </a:extLst>
+          </p:cNvPr>
+          <p:cNvSpPr>
+            <a:spLocks noGrp="1"/>
+          </p:cNvSpPr>
+          <p:nvPr>
+            <p:ph type="pic" sz="quarter" idx="13"/>
+          </p:nvPr>
+        </p:nvSpPr>
+        <p:spPr>
+          <a:xfrm>
+            <a:off x="5808550" y="1668780"/>
+            <a:ext cx="2663938" cy="2993708"/>
+          </a:xfrm>
+        </p:spPr>
+        <p:txBody>
+          <a:bodyPr/>
+          <a:lstStyle/>
+          <a:p>
+            <a:endParaRPr lang="en-US"/>
           </a:p>
         </p:txBody>
       </p:sp>
@@ -5494,89 +5524,76 @@
       </p:grpSpPr>
       <p:sp>
         <p:nvSpPr>
-          <p:cNvPr id="446" name="Google Shape;446;p64"/>
-          <p:cNvSpPr txBox="1">
+          <p:cNvPr id="2" name="Title 1">
+            <a:extLst>
+              <a:ext uri="{FF2B5EF4-FFF2-40B4-BE49-F238E27FC236}">
+                <a16:creationId xmlns:a16="http://schemas.microsoft.com/office/drawing/2014/main" id="{DB895806-DE72-3E6E-26A8-574ADD8194B5}"/>
+              </a:ext>
+            </a:extLst>
+          </p:cNvPr>
+          <p:cNvSpPr>
             <a:spLocks noGrp="1"/>
           </p:cNvSpPr>
           <p:nvPr>
             <p:ph type="title"/>
           </p:nvPr>
         </p:nvSpPr>
-        <p:spPr>
-          <a:xfrm>
-            <a:off x="626250" y="597425"/>
-            <a:ext cx="7891500" cy="572700"/>
-          </a:xfrm>
-          <a:prstGeom prst="rect">
-            <a:avLst/>
-          </a:prstGeom>
-        </p:spPr>
+        <p:spPr/>
         <p:txBody>
-          <a:bodyPr spcFirstLastPara="1" wrap="square" lIns="91425" tIns="91425" rIns="91425" bIns="91425" anchor="t" anchorCtr="0">
-            <a:noAutofit/>
-          </a:bodyPr>
+          <a:bodyPr/>
           <a:lstStyle/>
           <a:p>
-            <a:pPr marL="0" lvl="0" indent="0" algn="l" rtl="0">
-              <a:spcBef>
-                <a:spcPts val="0"/>
-              </a:spcBef>
-              <a:spcAft>
-                <a:spcPts val="0"/>
-              </a:spcAft>
-              <a:buNone/>
-            </a:pPr>
-            <a:endParaRPr dirty="0">
-              <a:solidFill>
-                <a:schemeClr val="dk1"/>
-              </a:solidFill>
-            </a:endParaRPr>
+            <a:endParaRPr lang="en-US"/>
           </a:p>
         </p:txBody>
       </p:sp>
       <p:sp>
         <p:nvSpPr>
-          <p:cNvPr id="447" name="Google Shape;447;p64"/>
-          <p:cNvSpPr txBox="1">
+          <p:cNvPr id="3" name="Text Placeholder 2">
+            <a:extLst>
+              <a:ext uri="{FF2B5EF4-FFF2-40B4-BE49-F238E27FC236}">
+                <a16:creationId xmlns:a16="http://schemas.microsoft.com/office/drawing/2014/main" id="{E2E48B32-0D26-F33A-A53F-E4FF83C8DA38}"/>
+              </a:ext>
+            </a:extLst>
+          </p:cNvPr>
+          <p:cNvSpPr>
             <a:spLocks noGrp="1"/>
           </p:cNvSpPr>
           <p:nvPr>
             <p:ph type="body" idx="1"/>
           </p:nvPr>
         </p:nvSpPr>
-        <p:spPr>
-          <a:xfrm>
-            <a:off x="626250" y="1152475"/>
-            <a:ext cx="7267800" cy="3416400"/>
-          </a:xfrm>
-          <a:prstGeom prst="rect">
-            <a:avLst/>
-          </a:prstGeom>
-        </p:spPr>
+        <p:spPr/>
         <p:txBody>
-          <a:bodyPr spcFirstLastPara="1" wrap="square" lIns="91425" tIns="91425" rIns="91425" bIns="91425" anchor="t" anchorCtr="0">
-            <a:noAutofit/>
-          </a:bodyPr>
+          <a:bodyPr/>
           <a:lstStyle/>
           <a:p>
-            <a:pPr marL="0" lvl="0" indent="0" algn="l" rtl="0">
-              <a:spcBef>
-                <a:spcPts val="0"/>
-              </a:spcBef>
-              <a:spcAft>
-                <a:spcPts val="0"/>
-              </a:spcAft>
-              <a:buNone/>
-            </a:pPr>
-            <a:endParaRPr sz="950" u="none" dirty="0">
-              <a:solidFill>
-                <a:schemeClr val="dk1"/>
-              </a:solidFill>
-              <a:latin typeface="Didact Gothic"/>
-              <a:ea typeface="Didact Gothic"/>
-              <a:cs typeface="Didact Gothic"/>
-              <a:sym typeface="Didact Gothic"/>
-            </a:endParaRPr>
+            <a:endParaRPr lang="en-US"/>
+          </a:p>
+        </p:txBody>
+      </p:sp>
+      <p:sp>
+        <p:nvSpPr>
+          <p:cNvPr id="4" name="Picture Placeholder 3">
+            <a:extLst>
+              <a:ext uri="{FF2B5EF4-FFF2-40B4-BE49-F238E27FC236}">
+                <a16:creationId xmlns:a16="http://schemas.microsoft.com/office/drawing/2014/main" id="{9F2AF949-5C8D-BAA2-16C3-62AAB1771EBD}"/>
+              </a:ext>
+            </a:extLst>
+          </p:cNvPr>
+          <p:cNvSpPr>
+            <a:spLocks noGrp="1"/>
+          </p:cNvSpPr>
+          <p:nvPr>
+            <p:ph type="pic" sz="quarter" idx="13"/>
+          </p:nvPr>
+        </p:nvSpPr>
+        <p:spPr/>
+        <p:txBody>
+          <a:bodyPr/>
+          <a:lstStyle/>
+          <a:p>
+            <a:endParaRPr lang="en-US"/>
           </a:p>
         </p:txBody>
       </p:sp>
